--- a/docs/presentation/uniapiplus.pptx
+++ b/docs/presentation/uniapiplus.pptx
@@ -1116,7 +1116,7 @@
           <a:pPr rtl="0"/>
           <a:r>
             <a:rPr lang="et" dirty="0"/>
-            <a:t>2021</a:t>
+            <a:t>2022</a:t>
           </a:r>
         </a:p>
       </dgm:t>
@@ -1785,7 +1785,7 @@
           </a:pPr>
           <a:r>
             <a:rPr lang="et" sz="1100" kern="1200" dirty="0"/>
-            <a:t>2021</a:t>
+            <a:t>2022</a:t>
           </a:r>
         </a:p>
       </dsp:txBody>
@@ -3884,7 +3884,7 @@
             <a:pPr rtl="0"/>
             <a:fld id="{42E03976-8622-40AE-9CB2-EC72601787D8}" type="datetime1">
               <a:rPr lang="et-EE" smtClean="0"/>
-              <a:t>12.12.2023</a:t>
+              <a:t>13.12.2023</a:t>
             </a:fld>
             <a:endParaRPr lang="en-US" dirty="0"/>
           </a:p>
@@ -4054,7 +4054,7 @@
             <a:pPr rtl="0"/>
             <a:fld id="{9927047A-DDEA-48D9-BCB2-7929C054A7F5}" type="datetime1">
               <a:rPr lang="et-EE" smtClean="0"/>
-              <a:t>12.12.2023</a:t>
+              <a:t>13.12.2023</a:t>
             </a:fld>
             <a:endParaRPr lang="en-US"/>
           </a:p>
@@ -4568,7 +4568,7 @@
             <a:pPr rtl="0"/>
             <a:fld id="{72F318FE-829E-49CD-8E98-DC70D54793AF}" type="datetime1">
               <a:rPr lang="et-EE" smtClean="0"/>
-              <a:t>12.12.2023</a:t>
+              <a:t>13.12.2023</a:t>
             </a:fld>
             <a:endParaRPr lang="en-US" dirty="0"/>
           </a:p>
@@ -4775,7 +4775,7 @@
             <a:pPr rtl="0"/>
             <a:fld id="{27977C22-F7C3-43F4-A010-B540EE86F9AD}" type="datetime1">
               <a:rPr lang="et-EE" smtClean="0"/>
-              <a:t>12.12.2023</a:t>
+              <a:t>13.12.2023</a:t>
             </a:fld>
             <a:endParaRPr lang="en-US" dirty="0"/>
           </a:p>
@@ -5141,7 +5141,7 @@
             <a:pPr rtl="0"/>
             <a:fld id="{191E48D4-3D13-4700-B1F4-BBAC4C2E06B3}" type="datetime1">
               <a:rPr lang="et-EE" smtClean="0"/>
-              <a:t>12.12.2023</a:t>
+              <a:t>13.12.2023</a:t>
             </a:fld>
             <a:endParaRPr lang="en-US" dirty="0"/>
           </a:p>
@@ -5343,7 +5343,7 @@
             <a:pPr rtl="0"/>
             <a:fld id="{8477E3AA-2E6B-4209-8417-F5DA9B67506D}" type="datetime1">
               <a:rPr lang="et-EE" smtClean="0"/>
-              <a:t>12.12.2023</a:t>
+              <a:t>13.12.2023</a:t>
             </a:fld>
             <a:endParaRPr lang="en-US" dirty="0"/>
           </a:p>
@@ -5659,7 +5659,7 @@
             <a:pPr rtl="0"/>
             <a:fld id="{99E5380A-B488-47DB-8089-BE4DDFC5C0AF}" type="datetime1">
               <a:rPr lang="et-EE" smtClean="0"/>
-              <a:t>12.12.2023</a:t>
+              <a:t>13.12.2023</a:t>
             </a:fld>
             <a:endParaRPr lang="en-US" dirty="0"/>
           </a:p>
@@ -5916,7 +5916,7 @@
             <a:pPr rtl="0"/>
             <a:fld id="{8E582438-E06E-4548-BE75-A8482A8928EC}" type="datetime1">
               <a:rPr lang="et-EE" smtClean="0"/>
-              <a:t>12.12.2023</a:t>
+              <a:t>13.12.2023</a:t>
             </a:fld>
             <a:endParaRPr lang="en-US" dirty="0"/>
           </a:p>
@@ -6342,7 +6342,7 @@
             <a:pPr rtl="0"/>
             <a:fld id="{CB5E2366-9EF0-4CE5-9FAF-F1174E4BD6EC}" type="datetime1">
               <a:rPr lang="et-EE" smtClean="0"/>
-              <a:t>12.12.2023</a:t>
+              <a:t>13.12.2023</a:t>
             </a:fld>
             <a:endParaRPr lang="en-US" dirty="0"/>
           </a:p>
@@ -6469,7 +6469,7 @@
             <a:pPr rtl="0"/>
             <a:fld id="{8AF9212D-64A4-4872-A73F-47A203006940}" type="datetime1">
               <a:rPr lang="et-EE" smtClean="0"/>
-              <a:t>12.12.2023</a:t>
+              <a:t>13.12.2023</a:t>
             </a:fld>
             <a:endParaRPr lang="en-US" dirty="0"/>
           </a:p>
@@ -6567,7 +6567,7 @@
             <a:pPr rtl="0"/>
             <a:fld id="{40908273-6BBE-4C76-97D4-C05EB162E731}" type="datetime1">
               <a:rPr lang="et-EE" smtClean="0"/>
-              <a:t>12.12.2023</a:t>
+              <a:t>13.12.2023</a:t>
             </a:fld>
             <a:endParaRPr lang="en-US" dirty="0"/>
           </a:p>
@@ -6948,7 +6948,7 @@
             <a:pPr rtl="0"/>
             <a:fld id="{9EE806DB-4A05-41DB-8533-1AC83906E21C}" type="datetime1">
               <a:rPr lang="et-EE" smtClean="0"/>
-              <a:t>12.12.2023</a:t>
+              <a:t>13.12.2023</a:t>
             </a:fld>
             <a:endParaRPr lang="en-US" dirty="0"/>
           </a:p>
@@ -7246,7 +7246,7 @@
             <a:pPr rtl="0"/>
             <a:fld id="{EE215C8E-1C52-42DF-88BC-14C7827065F5}" type="datetime1">
               <a:rPr lang="et-EE" smtClean="0"/>
-              <a:t>12.12.2023</a:t>
+              <a:t>13.12.2023</a:t>
             </a:fld>
             <a:endParaRPr lang="en-US" dirty="0"/>
           </a:p>
@@ -7464,7 +7464,7 @@
             <a:pPr rtl="0"/>
             <a:fld id="{124C25F1-F79B-49F8-AC56-C363EA43EB39}" type="datetime1">
               <a:rPr lang="et-EE" smtClean="0"/>
-              <a:t>12.12.2023</a:t>
+              <a:t>13.12.2023</a:t>
             </a:fld>
             <a:endParaRPr lang="en-US" dirty="0"/>
           </a:p>
@@ -8578,7 +8578,7 @@
             <a:pPr rtl="0"/>
             <a:fld id="{8477E3AA-2E6B-4209-8417-F5DA9B67506D}" type="datetime1">
               <a:rPr lang="et-EE" smtClean="0"/>
-              <a:t>12.12.2023</a:t>
+              <a:t>13.12.2023</a:t>
             </a:fld>
             <a:endParaRPr lang="en-US" dirty="0"/>
           </a:p>
@@ -8928,7 +8928,7 @@
             <a:pPr rtl="0"/>
             <a:fld id="{8477E3AA-2E6B-4209-8417-F5DA9B67506D}" type="datetime1">
               <a:rPr lang="et-EE" smtClean="0"/>
-              <a:t>12.12.2023</a:t>
+              <a:t>13.12.2023</a:t>
             </a:fld>
             <a:endParaRPr lang="en-US" dirty="0"/>
           </a:p>
@@ -9332,7 +9332,7 @@
             <a:pPr rtl="0"/>
             <a:fld id="{8477E3AA-2E6B-4209-8417-F5DA9B67506D}" type="datetime1">
               <a:rPr lang="et-EE" smtClean="0"/>
-              <a:t>12.12.2023</a:t>
+              <a:t>13.12.2023</a:t>
             </a:fld>
             <a:endParaRPr lang="en-US" dirty="0"/>
           </a:p>
@@ -10152,7 +10152,7 @@
             <a:pPr rtl="0"/>
             <a:fld id="{8477E3AA-2E6B-4209-8417-F5DA9B67506D}" type="datetime1">
               <a:rPr lang="et-EE" smtClean="0"/>
-              <a:t>12.12.2023</a:t>
+              <a:t>13.12.2023</a:t>
             </a:fld>
             <a:endParaRPr lang="en-US" dirty="0"/>
           </a:p>
@@ -12137,7 +12137,7 @@
             <p:ph idx="1"/>
             <p:extLst>
               <p:ext uri="{D42A27DB-BD31-4B8C-83A1-F6EECF244321}">
-                <p14:modId xmlns:p14="http://schemas.microsoft.com/office/powerpoint/2010/main" val="43922128"/>
+                <p14:modId xmlns:p14="http://schemas.microsoft.com/office/powerpoint/2010/main" val="1253899285"/>
               </p:ext>
             </p:extLst>
           </p:nvPr>
@@ -12721,7 +12721,7 @@
             <a:pPr rtl="0"/>
             <a:fld id="{8477E3AA-2E6B-4209-8417-F5DA9B67506D}" type="datetime1">
               <a:rPr lang="et-EE" smtClean="0"/>
-              <a:t>12.12.2023</a:t>
+              <a:t>13.12.2023</a:t>
             </a:fld>
             <a:endParaRPr lang="en-US" dirty="0"/>
           </a:p>
@@ -12854,7 +12854,7 @@
             <a:pPr rtl="0"/>
             <a:fld id="{8477E3AA-2E6B-4209-8417-F5DA9B67506D}" type="datetime1">
               <a:rPr lang="et-EE" smtClean="0"/>
-              <a:t>12.12.2023</a:t>
+              <a:t>13.12.2023</a:t>
             </a:fld>
             <a:endParaRPr lang="en-US" dirty="0"/>
           </a:p>
@@ -13034,7 +13034,7 @@
             <a:pPr rtl="0"/>
             <a:fld id="{8477E3AA-2E6B-4209-8417-F5DA9B67506D}" type="datetime1">
               <a:rPr lang="et-EE" smtClean="0"/>
-              <a:t>12.12.2023</a:t>
+              <a:t>13.12.2023</a:t>
             </a:fld>
             <a:endParaRPr lang="en-US" dirty="0"/>
           </a:p>
@@ -13158,7 +13158,7 @@
             <a:pPr rtl="0"/>
             <a:fld id="{8477E3AA-2E6B-4209-8417-F5DA9B67506D}" type="datetime1">
               <a:rPr lang="et-EE" smtClean="0"/>
-              <a:t>12.12.2023</a:t>
+              <a:t>13.12.2023</a:t>
             </a:fld>
             <a:endParaRPr lang="en-US" dirty="0"/>
           </a:p>
@@ -13307,7 +13307,7 @@
             <a:pPr rtl="0"/>
             <a:fld id="{8477E3AA-2E6B-4209-8417-F5DA9B67506D}" type="datetime1">
               <a:rPr lang="et-EE" smtClean="0"/>
-              <a:t>12.12.2023</a:t>
+              <a:t>13.12.2023</a:t>
             </a:fld>
             <a:endParaRPr lang="en-US" dirty="0"/>
           </a:p>
@@ -13457,7 +13457,7 @@
             <a:pPr rtl="0"/>
             <a:fld id="{8477E3AA-2E6B-4209-8417-F5DA9B67506D}" type="datetime1">
               <a:rPr lang="et-EE" smtClean="0"/>
-              <a:t>12.12.2023</a:t>
+              <a:t>13.12.2023</a:t>
             </a:fld>
             <a:endParaRPr lang="en-US" dirty="0"/>
           </a:p>
